--- a/卢老师论文汇报/CEEMDAN文献.pptx
+++ b/卢老师论文汇报/CEEMDAN文献.pptx
@@ -346,7 +346,7 @@
           <a:p>
             <a:fld id="{3FDE8C97-4C3E-274D-ADF9-06A9D5CCD4E7}" type="datetimeFigureOut">
               <a:rPr kumimoji="1" lang="zh-CN" altLang="en-US" smtClean="0"/>
-              <a:t>2023/8/29</a:t>
+              <a:t>2023/9/4</a:t>
             </a:fld>
             <a:endParaRPr kumimoji="1" lang="zh-CN" altLang="en-US"/>
           </a:p>
@@ -855,7 +855,7 @@
           <a:p>
             <a:fld id="{3563AA19-5EE1-E14F-8F67-5DD820B5DD9A}" type="datetime1">
               <a:rPr kumimoji="1" lang="zh-CN" altLang="en-US" smtClean="0"/>
-              <a:t>2023/8/29</a:t>
+              <a:t>2023/9/4</a:t>
             </a:fld>
             <a:endParaRPr kumimoji="1" lang="zh-CN" altLang="en-US"/>
           </a:p>
@@ -1067,7 +1067,7 @@
           <a:p>
             <a:fld id="{A24671CF-4B0D-884F-B66F-182E7711CDE4}" type="datetime1">
               <a:rPr kumimoji="1" lang="zh-CN" altLang="en-US" smtClean="0"/>
-              <a:t>2023/8/29</a:t>
+              <a:t>2023/9/4</a:t>
             </a:fld>
             <a:endParaRPr kumimoji="1" lang="zh-CN" altLang="en-US"/>
           </a:p>
@@ -2976,7 +2976,7 @@
           <a:p>
             <a:fld id="{DFFABD60-8210-8B47-AC0A-C3D8D0CC4B37}" type="datetime1">
               <a:rPr kumimoji="1" lang="zh-CN" altLang="en-US" smtClean="0"/>
-              <a:t>2023/8/29</a:t>
+              <a:t>2023/9/4</a:t>
             </a:fld>
             <a:endParaRPr kumimoji="1" lang="zh-CN" altLang="en-US"/>
           </a:p>
@@ -3285,7 +3285,7 @@
           <a:p>
             <a:fld id="{1347ECF2-D59A-DF42-BC11-D7EA8F8B97B5}" type="datetime1">
               <a:rPr kumimoji="1" lang="zh-CN" altLang="en-US" smtClean="0"/>
-              <a:t>2023/8/29</a:t>
+              <a:t>2023/9/4</a:t>
             </a:fld>
             <a:endParaRPr kumimoji="1" lang="zh-CN" altLang="en-US"/>
           </a:p>
@@ -3574,7 +3574,7 @@
           <a:p>
             <a:fld id="{673F2449-682B-5647-A2CF-535336582DB0}" type="datetime1">
               <a:rPr kumimoji="1" lang="zh-CN" altLang="en-US" smtClean="0"/>
-              <a:t>2023/8/29</a:t>
+              <a:t>2023/9/4</a:t>
             </a:fld>
             <a:endParaRPr kumimoji="1" lang="zh-CN" altLang="en-US"/>
           </a:p>
@@ -15976,7 +15976,7 @@
         </p:nvSpPr>
         <p:spPr>
           <a:xfrm>
-            <a:off x="753835" y="2983608"/>
+            <a:off x="753835" y="3172197"/>
             <a:ext cx="1371600" cy="583565"/>
           </a:xfrm>
           <a:prstGeom prst="roundRect">
@@ -16031,7 +16031,7 @@
         </p:nvSpPr>
         <p:spPr>
           <a:xfrm>
-            <a:off x="3094263" y="2934623"/>
+            <a:off x="3094263" y="3123212"/>
             <a:ext cx="881743" cy="632549"/>
           </a:xfrm>
           <a:prstGeom prst="roundRect">
@@ -16087,7 +16087,7 @@
         </p:nvSpPr>
         <p:spPr>
           <a:xfrm>
-            <a:off x="2193470" y="3182818"/>
+            <a:off x="2193470" y="3371407"/>
             <a:ext cx="832757" cy="181790"/>
           </a:xfrm>
           <a:prstGeom prst="rightArrow">
@@ -16139,7 +16139,7 @@
         </p:nvSpPr>
         <p:spPr>
           <a:xfrm>
-            <a:off x="1736133" y="5293768"/>
+            <a:off x="1681704" y="5075736"/>
             <a:ext cx="1747429" cy="975450"/>
           </a:xfrm>
           <a:prstGeom prst="roundRect">
@@ -16206,7 +16206,7 @@
         </p:nvSpPr>
         <p:spPr>
           <a:xfrm rot="1567532">
-            <a:off x="3955657" y="3514172"/>
+            <a:off x="4072758" y="3730742"/>
             <a:ext cx="1922127" cy="169777"/>
           </a:xfrm>
           <a:prstGeom prst="rightArrow">
@@ -16312,8 +16312,8 @@
           <p:nvPr/>
         </p:nvSpPr>
         <p:spPr>
-          <a:xfrm rot="19424940">
-            <a:off x="3949154" y="4953130"/>
+          <a:xfrm rot="19929893">
+            <a:off x="3895121" y="5017352"/>
             <a:ext cx="2017706" cy="153532"/>
           </a:xfrm>
           <a:prstGeom prst="rightArrow">
@@ -16365,8 +16365,8 @@
         </p:nvSpPr>
         <p:spPr>
           <a:xfrm>
-            <a:off x="606877" y="3649849"/>
-            <a:ext cx="1695452" cy="762923"/>
+            <a:off x="591909" y="4007361"/>
+            <a:ext cx="1695452" cy="692036"/>
           </a:xfrm>
           <a:prstGeom prst="ellipse">
             <a:avLst/>

--- a/卢老师论文汇报/CEEMDAN文献.pptx
+++ b/卢老师论文汇报/CEEMDAN文献.pptx
@@ -346,7 +346,7 @@
           <a:p>
             <a:fld id="{3FDE8C97-4C3E-274D-ADF9-06A9D5CCD4E7}" type="datetimeFigureOut">
               <a:rPr kumimoji="1" lang="zh-CN" altLang="en-US" smtClean="0"/>
-              <a:t>2023/9/4</a:t>
+              <a:t>2023/9/8</a:t>
             </a:fld>
             <a:endParaRPr kumimoji="1" lang="zh-CN" altLang="en-US"/>
           </a:p>
@@ -855,7 +855,7 @@
           <a:p>
             <a:fld id="{3563AA19-5EE1-E14F-8F67-5DD820B5DD9A}" type="datetime1">
               <a:rPr kumimoji="1" lang="zh-CN" altLang="en-US" smtClean="0"/>
-              <a:t>2023/9/4</a:t>
+              <a:t>2023/9/8</a:t>
             </a:fld>
             <a:endParaRPr kumimoji="1" lang="zh-CN" altLang="en-US"/>
           </a:p>
@@ -1067,7 +1067,7 @@
           <a:p>
             <a:fld id="{A24671CF-4B0D-884F-B66F-182E7711CDE4}" type="datetime1">
               <a:rPr kumimoji="1" lang="zh-CN" altLang="en-US" smtClean="0"/>
-              <a:t>2023/9/4</a:t>
+              <a:t>2023/9/8</a:t>
             </a:fld>
             <a:endParaRPr kumimoji="1" lang="zh-CN" altLang="en-US"/>
           </a:p>
@@ -2976,7 +2976,7 @@
           <a:p>
             <a:fld id="{DFFABD60-8210-8B47-AC0A-C3D8D0CC4B37}" type="datetime1">
               <a:rPr kumimoji="1" lang="zh-CN" altLang="en-US" smtClean="0"/>
-              <a:t>2023/9/4</a:t>
+              <a:t>2023/9/8</a:t>
             </a:fld>
             <a:endParaRPr kumimoji="1" lang="zh-CN" altLang="en-US"/>
           </a:p>
@@ -3285,7 +3285,7 @@
           <a:p>
             <a:fld id="{1347ECF2-D59A-DF42-BC11-D7EA8F8B97B5}" type="datetime1">
               <a:rPr kumimoji="1" lang="zh-CN" altLang="en-US" smtClean="0"/>
-              <a:t>2023/9/4</a:t>
+              <a:t>2023/9/8</a:t>
             </a:fld>
             <a:endParaRPr kumimoji="1" lang="zh-CN" altLang="en-US"/>
           </a:p>
@@ -3574,7 +3574,7 @@
           <a:p>
             <a:fld id="{673F2449-682B-5647-A2CF-535336582DB0}" type="datetime1">
               <a:rPr kumimoji="1" lang="zh-CN" altLang="en-US" smtClean="0"/>
-              <a:t>2023/9/4</a:t>
+              <a:t>2023/9/8</a:t>
             </a:fld>
             <a:endParaRPr kumimoji="1" lang="zh-CN" altLang="en-US"/>
           </a:p>

--- a/卢老师论文汇报/CEEMDAN文献.pptx
+++ b/卢老师论文汇报/CEEMDAN文献.pptx
@@ -346,7 +346,7 @@
           <a:p>
             <a:fld id="{3FDE8C97-4C3E-274D-ADF9-06A9D5CCD4E7}" type="datetimeFigureOut">
               <a:rPr kumimoji="1" lang="zh-CN" altLang="en-US" smtClean="0"/>
-              <a:t>2023/9/8</a:t>
+              <a:t>2023/11/8</a:t>
             </a:fld>
             <a:endParaRPr kumimoji="1" lang="zh-CN" altLang="en-US"/>
           </a:p>
@@ -855,7 +855,7 @@
           <a:p>
             <a:fld id="{3563AA19-5EE1-E14F-8F67-5DD820B5DD9A}" type="datetime1">
               <a:rPr kumimoji="1" lang="zh-CN" altLang="en-US" smtClean="0"/>
-              <a:t>2023/9/8</a:t>
+              <a:t>2023/11/8</a:t>
             </a:fld>
             <a:endParaRPr kumimoji="1" lang="zh-CN" altLang="en-US"/>
           </a:p>
@@ -1067,7 +1067,7 @@
           <a:p>
             <a:fld id="{A24671CF-4B0D-884F-B66F-182E7711CDE4}" type="datetime1">
               <a:rPr kumimoji="1" lang="zh-CN" altLang="en-US" smtClean="0"/>
-              <a:t>2023/9/8</a:t>
+              <a:t>2023/11/8</a:t>
             </a:fld>
             <a:endParaRPr kumimoji="1" lang="zh-CN" altLang="en-US"/>
           </a:p>
@@ -2976,7 +2976,7 @@
           <a:p>
             <a:fld id="{DFFABD60-8210-8B47-AC0A-C3D8D0CC4B37}" type="datetime1">
               <a:rPr kumimoji="1" lang="zh-CN" altLang="en-US" smtClean="0"/>
-              <a:t>2023/9/8</a:t>
+              <a:t>2023/11/8</a:t>
             </a:fld>
             <a:endParaRPr kumimoji="1" lang="zh-CN" altLang="en-US"/>
           </a:p>
@@ -3285,7 +3285,7 @@
           <a:p>
             <a:fld id="{1347ECF2-D59A-DF42-BC11-D7EA8F8B97B5}" type="datetime1">
               <a:rPr kumimoji="1" lang="zh-CN" altLang="en-US" smtClean="0"/>
-              <a:t>2023/9/8</a:t>
+              <a:t>2023/11/8</a:t>
             </a:fld>
             <a:endParaRPr kumimoji="1" lang="zh-CN" altLang="en-US"/>
           </a:p>
@@ -3574,7 +3574,7 @@
           <a:p>
             <a:fld id="{673F2449-682B-5647-A2CF-535336582DB0}" type="datetime1">
               <a:rPr kumimoji="1" lang="zh-CN" altLang="en-US" smtClean="0"/>
-              <a:t>2023/9/8</a:t>
+              <a:t>2023/11/8</a:t>
             </a:fld>
             <a:endParaRPr kumimoji="1" lang="zh-CN" altLang="en-US"/>
           </a:p>
@@ -5653,7 +5653,7 @@
                     <a:latin typeface="Helvetica" panose="020B0604020202020204" pitchFamily="34" charset="0"/>
                     <a:ea typeface="宋体" panose="02010600030101010101" pitchFamily="2" charset="-122"/>
                     <a:cs typeface="Helvetica" panose="020B0604020202020204" pitchFamily="34" charset="0"/>
-                    <a:hlinkClick r:id="rId2"/>
+                    <a:hlinkClick r:id="rId3"/>
                   </a:rPr>
                   <a:t>变量</a:t>
                 </a:r>
@@ -5676,7 +5676,7 @@
                     <a:latin typeface="Helvetica" panose="020B0604020202020204" pitchFamily="34" charset="0"/>
                     <a:ea typeface="宋体" panose="02010600030101010101" pitchFamily="2" charset="-122"/>
                     <a:cs typeface="Helvetica" panose="020B0604020202020204" pitchFamily="34" charset="0"/>
-                    <a:hlinkClick r:id="rId3"/>
+                    <a:hlinkClick r:id="rId4"/>
                   </a:rPr>
                   <a:t>依赖性</a:t>
                 </a:r>
@@ -5699,7 +5699,7 @@
                     <a:latin typeface="Helvetica" panose="020B0604020202020204" pitchFamily="34" charset="0"/>
                     <a:ea typeface="宋体" panose="02010600030101010101" pitchFamily="2" charset="-122"/>
                     <a:cs typeface="Helvetica" panose="020B0604020202020204" pitchFamily="34" charset="0"/>
-                    <a:hlinkClick r:id="rId4"/>
+                    <a:hlinkClick r:id="rId5"/>
                   </a:rPr>
                   <a:t>单调</a:t>
                 </a:r>
@@ -6192,7 +6192,7 @@
           <a:graphicData uri="http://schemas.openxmlformats.org/presentationml/2006/ole">
             <mc:AlternateContent xmlns:mc="http://schemas.openxmlformats.org/markup-compatibility/2006">
               <mc:Choice xmlns:v="urn:schemas-microsoft-com:vml" Requires="v">
-                <p:oleObj r:id="rId7" imgW="1081820" imgH="511310" progId="Equation.AxMath">
+                <p:oleObj spid="_x0000_s1028" r:id="rId7" imgW="1081820" imgH="511310" progId="Equation.AxMath">
                   <p:embed/>
                 </p:oleObj>
               </mc:Choice>
@@ -6334,7 +6334,7 @@
           <a:graphicData uri="http://schemas.openxmlformats.org/presentationml/2006/ole">
             <mc:AlternateContent xmlns:mc="http://schemas.openxmlformats.org/markup-compatibility/2006">
               <mc:Choice xmlns:v="urn:schemas-microsoft-com:vml" Requires="v">
-                <p:oleObj r:id="rId9" imgW="666561" imgH="201817" progId="Equation.AxMath">
+                <p:oleObj spid="_x0000_s1029" r:id="rId9" imgW="666561" imgH="201817" progId="Equation.AxMath">
                   <p:embed/>
                 </p:oleObj>
               </mc:Choice>
@@ -14664,7 +14664,7 @@
         <p:spPr>
           <a:xfrm>
             <a:off x="913765" y="1403350"/>
-            <a:ext cx="10473055" cy="3416320"/>
+            <a:ext cx="10473055" cy="2221762"/>
           </a:xfrm>
           <a:prstGeom prst="rect">
             <a:avLst/>
@@ -14782,38 +14782,6 @@
               <a:latin typeface="宋体" panose="02010600030101010101" pitchFamily="2" charset="-122"/>
               <a:ea typeface="宋体" panose="02010600030101010101" pitchFamily="2" charset="-122"/>
               <a:cs typeface="Times New Roman" panose="02020603050405020304" charset="0"/>
-            </a:endParaRPr>
-          </a:p>
-          <a:p>
-            <a:pPr algn="l"/>
-            <a:r>
-              <a:rPr lang="en-US" altLang="zh-CN" sz="2400" i="0" dirty="0" err="1">
-                <a:solidFill>
-                  <a:srgbClr val="333333"/>
-                </a:solidFill>
-                <a:effectLst/>
-                <a:latin typeface="HelveticaNeue Regular"/>
-              </a:rPr>
-              <a:t>Transformer+CEEMDAN:</a:t>
-            </a:r>
-            <a:r>
-              <a:rPr lang="en-US" altLang="zh-CN" sz="2400" dirty="0" err="1">
-                <a:hlinkClick r:id="rId3"/>
-              </a:rPr>
-              <a:t>An</a:t>
-            </a:r>
-            <a:r>
-              <a:rPr lang="en-US" altLang="zh-CN" sz="2400" dirty="0">
-                <a:hlinkClick r:id="rId3"/>
-              </a:rPr>
-              <a:t> Improved Approach Based on Transformer Network for Remaining Useful Life of Lithium-ion Battery | IEEE Conference Publication | IEEE Xplore</a:t>
-            </a:r>
-            <a:endParaRPr lang="en-US" altLang="zh-CN" sz="2400" i="0" dirty="0">
-              <a:solidFill>
-                <a:srgbClr val="333333"/>
-              </a:solidFill>
-              <a:effectLst/>
-              <a:latin typeface="HelveticaNeue Regular"/>
             </a:endParaRPr>
           </a:p>
         </p:txBody>
@@ -15079,7 +15047,7 @@
         </p:nvSpPr>
         <p:spPr>
           <a:xfrm>
-            <a:off x="685800" y="4027714"/>
+            <a:off x="3422186" y="4027714"/>
             <a:ext cx="1371600" cy="583565"/>
           </a:xfrm>
           <a:prstGeom prst="roundRect">
@@ -15117,122 +15085,6 @@
               <a:rPr lang="zh-CN" altLang="en-US" dirty="0"/>
               <a:t>健康因子</a:t>
             </a:r>
-          </a:p>
-        </p:txBody>
-      </p:sp>
-      <p:sp>
-        <p:nvSpPr>
-          <p:cNvPr id="4" name="矩形: 圆角 3">
-            <a:extLst>
-              <a:ext uri="{FF2B5EF4-FFF2-40B4-BE49-F238E27FC236}">
-                <a16:creationId xmlns:a16="http://schemas.microsoft.com/office/drawing/2014/main" id="{B05077D0-67C2-67D0-6C5B-5C5D70643EE9}"/>
-              </a:ext>
-            </a:extLst>
-          </p:cNvPr>
-          <p:cNvSpPr/>
-          <p:nvPr/>
-        </p:nvSpPr>
-        <p:spPr>
-          <a:xfrm>
-            <a:off x="3026228" y="4027713"/>
-            <a:ext cx="2373085" cy="583565"/>
-          </a:xfrm>
-          <a:prstGeom prst="roundRect">
-            <a:avLst/>
-          </a:prstGeom>
-          <a:solidFill>
-            <a:schemeClr val="accent1">
-              <a:lumMod val="60000"/>
-              <a:lumOff val="40000"/>
-            </a:schemeClr>
-          </a:solidFill>
-        </p:spPr>
-        <p:style>
-          <a:lnRef idx="2">
-            <a:schemeClr val="accent1">
-              <a:shade val="15000"/>
-            </a:schemeClr>
-          </a:lnRef>
-          <a:fillRef idx="1">
-            <a:schemeClr val="accent1"/>
-          </a:fillRef>
-          <a:effectRef idx="0">
-            <a:schemeClr val="accent1"/>
-          </a:effectRef>
-          <a:fontRef idx="minor">
-            <a:schemeClr val="lt1"/>
-          </a:fontRef>
-        </p:style>
-        <p:txBody>
-          <a:bodyPr rtlCol="0" anchor="ctr"/>
-          <a:lstStyle/>
-          <a:p>
-            <a:pPr algn="ctr"/>
-            <a:r>
-              <a:rPr lang="en-US" altLang="zh-CN" dirty="0"/>
-              <a:t>Pearson</a:t>
-            </a:r>
-            <a:r>
-              <a:rPr lang="zh-CN" altLang="en-US" dirty="0"/>
-              <a:t>和</a:t>
-            </a:r>
-            <a:r>
-              <a:rPr lang="en-US" altLang="zh-CN" dirty="0"/>
-              <a:t>Spearman</a:t>
-            </a:r>
-            <a:endParaRPr lang="zh-CN" altLang="en-US" dirty="0"/>
-          </a:p>
-        </p:txBody>
-      </p:sp>
-      <p:sp>
-        <p:nvSpPr>
-          <p:cNvPr id="6" name="箭头: 右 5">
-            <a:extLst>
-              <a:ext uri="{FF2B5EF4-FFF2-40B4-BE49-F238E27FC236}">
-                <a16:creationId xmlns:a16="http://schemas.microsoft.com/office/drawing/2014/main" id="{3DD5D63D-759D-BB47-AD11-E5F989CF524E}"/>
-              </a:ext>
-            </a:extLst>
-          </p:cNvPr>
-          <p:cNvSpPr/>
-          <p:nvPr/>
-        </p:nvSpPr>
-        <p:spPr>
-          <a:xfrm>
-            <a:off x="2125435" y="4226924"/>
-            <a:ext cx="832757" cy="181790"/>
-          </a:xfrm>
-          <a:prstGeom prst="rightArrow">
-            <a:avLst/>
-          </a:prstGeom>
-          <a:solidFill>
-            <a:schemeClr val="accent1">
-              <a:lumMod val="60000"/>
-              <a:lumOff val="40000"/>
-            </a:schemeClr>
-          </a:solidFill>
-        </p:spPr>
-        <p:style>
-          <a:lnRef idx="2">
-            <a:schemeClr val="accent1">
-              <a:shade val="15000"/>
-            </a:schemeClr>
-          </a:lnRef>
-          <a:fillRef idx="1">
-            <a:schemeClr val="accent1"/>
-          </a:fillRef>
-          <a:effectRef idx="0">
-            <a:schemeClr val="accent1"/>
-          </a:effectRef>
-          <a:fontRef idx="minor">
-            <a:schemeClr val="lt1"/>
-          </a:fontRef>
-        </p:style>
-        <p:txBody>
-          <a:bodyPr rtlCol="0" anchor="ctr"/>
-          <a:lstStyle/>
-          <a:p>
-            <a:pPr algn="ctr"/>
-            <a:endParaRPr lang="zh-CN" altLang="en-US"/>
           </a:p>
         </p:txBody>
       </p:sp>
@@ -15499,7 +15351,7 @@
         </p:nvSpPr>
         <p:spPr>
           <a:xfrm>
-            <a:off x="538842" y="5089071"/>
+            <a:off x="3275228" y="5089071"/>
             <a:ext cx="1817914" cy="936172"/>
           </a:xfrm>
           <a:prstGeom prst="ellipse">
@@ -16139,7 +15991,7 @@
         </p:nvSpPr>
         <p:spPr>
           <a:xfrm>
-            <a:off x="1681704" y="5075736"/>
+            <a:off x="6353837" y="3029334"/>
             <a:ext cx="1747429" cy="975450"/>
           </a:xfrm>
           <a:prstGeom prst="roundRect">
@@ -16205,9 +16057,9 @@
           <p:nvPr/>
         </p:nvSpPr>
         <p:spPr>
-          <a:xfrm rot="1567532">
-            <a:off x="4072758" y="3730742"/>
-            <a:ext cx="1922127" cy="169777"/>
+          <a:xfrm flipV="1">
+            <a:off x="4301295" y="3296902"/>
+            <a:ext cx="1536870" cy="264196"/>
           </a:xfrm>
           <a:prstGeom prst="rightArrow">
             <a:avLst/>
@@ -16258,7 +16110,7 @@
         </p:nvSpPr>
         <p:spPr>
           <a:xfrm>
-            <a:off x="6096000" y="3971607"/>
+            <a:off x="9676002" y="3079624"/>
             <a:ext cx="1371600" cy="583565"/>
           </a:xfrm>
           <a:prstGeom prst="roundRect">
@@ -16301,10 +16153,10 @@
       </p:sp>
       <p:sp>
         <p:nvSpPr>
-          <p:cNvPr id="11" name="箭头: 右 10">
+          <p:cNvPr id="12" name="椭圆 11">
             <a:extLst>
               <a:ext uri="{FF2B5EF4-FFF2-40B4-BE49-F238E27FC236}">
-                <a16:creationId xmlns:a16="http://schemas.microsoft.com/office/drawing/2014/main" id="{67E6DBF3-44D2-0116-2965-58D867ECC9F1}"/>
+                <a16:creationId xmlns:a16="http://schemas.microsoft.com/office/drawing/2014/main" id="{7CF3FE8D-00EC-A6DC-7A88-A7EC5259A096}"/>
               </a:ext>
             </a:extLst>
           </p:cNvPr>
@@ -16312,17 +16164,17 @@
           <p:nvPr/>
         </p:nvSpPr>
         <p:spPr>
-          <a:xfrm rot="19929893">
-            <a:off x="3895121" y="5017352"/>
-            <a:ext cx="2017706" cy="153532"/>
-          </a:xfrm>
-          <a:prstGeom prst="rightArrow">
+          <a:xfrm>
+            <a:off x="591909" y="4007361"/>
+            <a:ext cx="1695452" cy="692036"/>
+          </a:xfrm>
+          <a:prstGeom prst="ellipse">
             <a:avLst/>
           </a:prstGeom>
           <a:solidFill>
             <a:schemeClr val="accent1">
-              <a:lumMod val="60000"/>
-              <a:lumOff val="40000"/>
+              <a:lumMod val="40000"/>
+              <a:lumOff val="60000"/>
             </a:schemeClr>
           </a:solidFill>
         </p:spPr>
@@ -16347,16 +16199,30 @@
           <a:lstStyle/>
           <a:p>
             <a:pPr algn="ctr"/>
-            <a:endParaRPr lang="zh-CN" altLang="en-US"/>
+            <a:r>
+              <a:rPr lang="zh-CN" altLang="en-US" sz="1800" i="0" dirty="0">
+                <a:solidFill>
+                  <a:schemeClr val="bg1"/>
+                </a:solidFill>
+                <a:effectLst/>
+                <a:latin typeface="+mn-ea"/>
+              </a:rPr>
+              <a:t>等压降放电时间</a:t>
+            </a:r>
+            <a:endParaRPr lang="zh-CN" altLang="en-US" dirty="0">
+              <a:solidFill>
+                <a:schemeClr val="bg1"/>
+              </a:solidFill>
+            </a:endParaRPr>
           </a:p>
         </p:txBody>
       </p:sp>
       <p:sp>
         <p:nvSpPr>
-          <p:cNvPr id="12" name="椭圆 11">
+          <p:cNvPr id="13" name="箭头: 右 12">
             <a:extLst>
               <a:ext uri="{FF2B5EF4-FFF2-40B4-BE49-F238E27FC236}">
-                <a16:creationId xmlns:a16="http://schemas.microsoft.com/office/drawing/2014/main" id="{7CF3FE8D-00EC-A6DC-7A88-A7EC5259A096}"/>
+                <a16:creationId xmlns:a16="http://schemas.microsoft.com/office/drawing/2014/main" id="{B6150A99-FF84-4C60-88E4-AB7FCFB7EBC9}"/>
               </a:ext>
             </a:extLst>
           </p:cNvPr>
@@ -16364,17 +16230,17 @@
           <p:nvPr/>
         </p:nvSpPr>
         <p:spPr>
-          <a:xfrm>
-            <a:off x="591909" y="4007361"/>
-            <a:ext cx="1695452" cy="692036"/>
-          </a:xfrm>
-          <a:prstGeom prst="ellipse">
+          <a:xfrm flipV="1">
+            <a:off x="8498832" y="3296902"/>
+            <a:ext cx="720881" cy="264196"/>
+          </a:xfrm>
+          <a:prstGeom prst="rightArrow">
             <a:avLst/>
           </a:prstGeom>
           <a:solidFill>
             <a:schemeClr val="accent1">
-              <a:lumMod val="40000"/>
-              <a:lumOff val="60000"/>
+              <a:lumMod val="60000"/>
+              <a:lumOff val="40000"/>
             </a:schemeClr>
           </a:solidFill>
         </p:spPr>
@@ -16399,21 +16265,7 @@
           <a:lstStyle/>
           <a:p>
             <a:pPr algn="ctr"/>
-            <a:r>
-              <a:rPr lang="zh-CN" altLang="en-US" sz="1800" i="0" dirty="0">
-                <a:solidFill>
-                  <a:schemeClr val="bg1"/>
-                </a:solidFill>
-                <a:effectLst/>
-                <a:latin typeface="+mn-ea"/>
-              </a:rPr>
-              <a:t>等压降放电时间</a:t>
-            </a:r>
-            <a:endParaRPr lang="zh-CN" altLang="en-US" dirty="0">
-              <a:solidFill>
-                <a:schemeClr val="bg1"/>
-              </a:solidFill>
-            </a:endParaRPr>
+            <a:endParaRPr lang="zh-CN" altLang="en-US"/>
           </a:p>
         </p:txBody>
       </p:sp>
@@ -16922,7 +16774,7 @@
         </p:nvSpPr>
         <p:spPr>
           <a:xfrm>
-            <a:off x="5222285" y="3580246"/>
+            <a:off x="5354646" y="3524249"/>
             <a:ext cx="1747429" cy="975450"/>
           </a:xfrm>
           <a:prstGeom prst="roundRect">
@@ -17035,9 +16887,9 @@
           <p:nvPr/>
         </p:nvSpPr>
         <p:spPr>
-          <a:xfrm rot="20557290">
-            <a:off x="4132119" y="4625427"/>
-            <a:ext cx="905889" cy="192837"/>
+          <a:xfrm>
+            <a:off x="4184038" y="4771799"/>
+            <a:ext cx="960857" cy="175634"/>
           </a:xfrm>
           <a:prstGeom prst="rightArrow">
             <a:avLst/>
@@ -17154,7 +17006,7 @@
         </p:nvSpPr>
         <p:spPr>
           <a:xfrm>
-            <a:off x="4121893" y="3954197"/>
+            <a:off x="4184038" y="3954197"/>
             <a:ext cx="905889" cy="192837"/>
           </a:xfrm>
           <a:prstGeom prst="rightArrow">
@@ -17317,9 +17169,9 @@
           <p:nvPr/>
         </p:nvSpPr>
         <p:spPr>
-          <a:xfrm rot="944098">
-            <a:off x="4131067" y="3268189"/>
-            <a:ext cx="905889" cy="192837"/>
+          <a:xfrm flipV="1">
+            <a:off x="4184038" y="3077689"/>
+            <a:ext cx="750947" cy="176409"/>
           </a:xfrm>
           <a:prstGeom prst="rightArrow">
             <a:avLst/>
@@ -17872,7 +17724,7 @@
         </p:nvSpPr>
         <p:spPr>
           <a:xfrm>
-            <a:off x="2640352" y="5152254"/>
+            <a:off x="6097273" y="2763172"/>
             <a:ext cx="1747429" cy="975450"/>
           </a:xfrm>
           <a:prstGeom prst="roundRect">
@@ -17922,165 +17774,6 @@
               <a:rPr lang="zh-CN" altLang="en-US" dirty="0"/>
               <a:t>加权模型</a:t>
             </a:r>
-          </a:p>
-        </p:txBody>
-      </p:sp>
-      <p:sp>
-        <p:nvSpPr>
-          <p:cNvPr id="8" name="箭头: 右 7">
-            <a:extLst>
-              <a:ext uri="{FF2B5EF4-FFF2-40B4-BE49-F238E27FC236}">
-                <a16:creationId xmlns:a16="http://schemas.microsoft.com/office/drawing/2014/main" id="{EDF2D21C-22DF-EA8E-93BD-E1AC3D0C42AE}"/>
-              </a:ext>
-            </a:extLst>
-          </p:cNvPr>
-          <p:cNvSpPr/>
-          <p:nvPr/>
-        </p:nvSpPr>
-        <p:spPr>
-          <a:xfrm rot="1567532">
-            <a:off x="4566226" y="3615051"/>
-            <a:ext cx="1410366" cy="239204"/>
-          </a:xfrm>
-          <a:prstGeom prst="rightArrow">
-            <a:avLst/>
-          </a:prstGeom>
-          <a:solidFill>
-            <a:schemeClr val="accent1">
-              <a:lumMod val="60000"/>
-              <a:lumOff val="40000"/>
-            </a:schemeClr>
-          </a:solidFill>
-        </p:spPr>
-        <p:style>
-          <a:lnRef idx="2">
-            <a:schemeClr val="accent1">
-              <a:shade val="15000"/>
-            </a:schemeClr>
-          </a:lnRef>
-          <a:fillRef idx="1">
-            <a:schemeClr val="accent1"/>
-          </a:fillRef>
-          <a:effectRef idx="0">
-            <a:schemeClr val="accent1"/>
-          </a:effectRef>
-          <a:fontRef idx="minor">
-            <a:schemeClr val="lt1"/>
-          </a:fontRef>
-        </p:style>
-        <p:txBody>
-          <a:bodyPr rtlCol="0" anchor="ctr"/>
-          <a:lstStyle/>
-          <a:p>
-            <a:pPr algn="ctr"/>
-            <a:endParaRPr lang="zh-CN" altLang="en-US"/>
-          </a:p>
-        </p:txBody>
-      </p:sp>
-      <p:sp>
-        <p:nvSpPr>
-          <p:cNvPr id="9" name="矩形: 圆角 8">
-            <a:extLst>
-              <a:ext uri="{FF2B5EF4-FFF2-40B4-BE49-F238E27FC236}">
-                <a16:creationId xmlns:a16="http://schemas.microsoft.com/office/drawing/2014/main" id="{0AD8D16F-880B-722C-71B7-28A1164CDD63}"/>
-              </a:ext>
-            </a:extLst>
-          </p:cNvPr>
-          <p:cNvSpPr/>
-          <p:nvPr/>
-        </p:nvSpPr>
-        <p:spPr>
-          <a:xfrm>
-            <a:off x="6096000" y="3971607"/>
-            <a:ext cx="1371600" cy="583565"/>
-          </a:xfrm>
-          <a:prstGeom prst="roundRect">
-            <a:avLst/>
-          </a:prstGeom>
-          <a:solidFill>
-            <a:schemeClr val="accent1">
-              <a:lumMod val="60000"/>
-              <a:lumOff val="40000"/>
-            </a:schemeClr>
-          </a:solidFill>
-        </p:spPr>
-        <p:style>
-          <a:lnRef idx="2">
-            <a:schemeClr val="accent1">
-              <a:shade val="15000"/>
-            </a:schemeClr>
-          </a:lnRef>
-          <a:fillRef idx="1">
-            <a:schemeClr val="accent1"/>
-          </a:fillRef>
-          <a:effectRef idx="0">
-            <a:schemeClr val="accent1"/>
-          </a:effectRef>
-          <a:fontRef idx="minor">
-            <a:schemeClr val="lt1"/>
-          </a:fontRef>
-        </p:style>
-        <p:txBody>
-          <a:bodyPr rtlCol="0" anchor="ctr"/>
-          <a:lstStyle/>
-          <a:p>
-            <a:pPr algn="ctr"/>
-            <a:r>
-              <a:rPr lang="zh-CN" altLang="en-US" dirty="0"/>
-              <a:t>预测</a:t>
-            </a:r>
-          </a:p>
-        </p:txBody>
-      </p:sp>
-      <p:sp>
-        <p:nvSpPr>
-          <p:cNvPr id="11" name="箭头: 右 10">
-            <a:extLst>
-              <a:ext uri="{FF2B5EF4-FFF2-40B4-BE49-F238E27FC236}">
-                <a16:creationId xmlns:a16="http://schemas.microsoft.com/office/drawing/2014/main" id="{67E6DBF3-44D2-0116-2965-58D867ECC9F1}"/>
-              </a:ext>
-            </a:extLst>
-          </p:cNvPr>
-          <p:cNvSpPr/>
-          <p:nvPr/>
-        </p:nvSpPr>
-        <p:spPr>
-          <a:xfrm rot="19424940">
-            <a:off x="4413722" y="4826889"/>
-            <a:ext cx="1614982" cy="286843"/>
-          </a:xfrm>
-          <a:prstGeom prst="rightArrow">
-            <a:avLst/>
-          </a:prstGeom>
-          <a:solidFill>
-            <a:schemeClr val="accent1">
-              <a:lumMod val="60000"/>
-              <a:lumOff val="40000"/>
-            </a:schemeClr>
-          </a:solidFill>
-        </p:spPr>
-        <p:style>
-          <a:lnRef idx="2">
-            <a:schemeClr val="accent1">
-              <a:shade val="15000"/>
-            </a:schemeClr>
-          </a:lnRef>
-          <a:fillRef idx="1">
-            <a:schemeClr val="accent1"/>
-          </a:fillRef>
-          <a:effectRef idx="0">
-            <a:schemeClr val="accent1"/>
-          </a:effectRef>
-          <a:fontRef idx="minor">
-            <a:schemeClr val="lt1"/>
-          </a:fontRef>
-        </p:style>
-        <p:txBody>
-          <a:bodyPr rtlCol="0" anchor="ctr"/>
-          <a:lstStyle/>
-          <a:p>
-            <a:pPr algn="ctr"/>
-            <a:endParaRPr lang="zh-CN" altLang="en-US"/>
           </a:p>
         </p:txBody>
       </p:sp>
@@ -18114,6 +17807,58 @@
           </a:prstGeom>
         </p:spPr>
       </p:pic>
+      <p:sp>
+        <p:nvSpPr>
+          <p:cNvPr id="12" name="箭头: 右 11">
+            <a:extLst>
+              <a:ext uri="{FF2B5EF4-FFF2-40B4-BE49-F238E27FC236}">
+                <a16:creationId xmlns:a16="http://schemas.microsoft.com/office/drawing/2014/main" id="{2B0D6F48-33D7-40BF-B447-E959B93B34C8}"/>
+              </a:ext>
+            </a:extLst>
+          </p:cNvPr>
+          <p:cNvSpPr/>
+          <p:nvPr/>
+        </p:nvSpPr>
+        <p:spPr>
+          <a:xfrm>
+            <a:off x="4804834" y="3160002"/>
+            <a:ext cx="832757" cy="181790"/>
+          </a:xfrm>
+          <a:prstGeom prst="rightArrow">
+            <a:avLst/>
+          </a:prstGeom>
+          <a:solidFill>
+            <a:schemeClr val="accent1">
+              <a:lumMod val="60000"/>
+              <a:lumOff val="40000"/>
+            </a:schemeClr>
+          </a:solidFill>
+        </p:spPr>
+        <p:style>
+          <a:lnRef idx="2">
+            <a:schemeClr val="accent1">
+              <a:shade val="15000"/>
+            </a:schemeClr>
+          </a:lnRef>
+          <a:fillRef idx="1">
+            <a:schemeClr val="accent1"/>
+          </a:fillRef>
+          <a:effectRef idx="0">
+            <a:schemeClr val="accent1"/>
+          </a:effectRef>
+          <a:fontRef idx="minor">
+            <a:schemeClr val="lt1"/>
+          </a:fontRef>
+        </p:style>
+        <p:txBody>
+          <a:bodyPr rtlCol="0" anchor="ctr"/>
+          <a:lstStyle/>
+          <a:p>
+            <a:pPr algn="ctr"/>
+            <a:endParaRPr lang="zh-CN" altLang="en-US"/>
+          </a:p>
+        </p:txBody>
+      </p:sp>
     </p:spTree>
     <p:extLst>
       <p:ext uri="{BB962C8B-B14F-4D97-AF65-F5344CB8AC3E}">
